--- a/Slides/C#/4. Datatypes/Collections/Non-Generic Collection/HASHTABLE.pptx
+++ b/Slides/C#/4. Datatypes/Collections/Non-Generic Collection/HASHTABLE.pptx
@@ -212,7 +212,7 @@
           <a:p>
             <a:fld id="{921B6B6C-72E7-4ADA-8930-ED07A8BDBFF8}" type="datetimeFigureOut">
               <a:rPr lang="en-US" smtClean="0"/>
-              <a:t>6/21/2023</a:t>
+              <a:t>8/10/2023</a:t>
             </a:fld>
             <a:endParaRPr lang="en-US"/>
           </a:p>
@@ -730,7 +730,7 @@
           <a:p>
             <a:fld id="{BDD2BDC9-BFF1-4C01-B746-85A2BCC29F4B}" type="datetimeFigureOut">
               <a:rPr lang="en-US" smtClean="0"/>
-              <a:t>6/21/2023</a:t>
+              <a:t>8/10/2023</a:t>
             </a:fld>
             <a:endParaRPr lang="en-US"/>
           </a:p>
@@ -928,7 +928,7 @@
           <a:p>
             <a:fld id="{BDD2BDC9-BFF1-4C01-B746-85A2BCC29F4B}" type="datetimeFigureOut">
               <a:rPr lang="en-US" smtClean="0"/>
-              <a:t>6/21/2023</a:t>
+              <a:t>8/10/2023</a:t>
             </a:fld>
             <a:endParaRPr lang="en-US"/>
           </a:p>
@@ -1136,7 +1136,7 @@
           <a:p>
             <a:fld id="{BDD2BDC9-BFF1-4C01-B746-85A2BCC29F4B}" type="datetimeFigureOut">
               <a:rPr lang="en-US" smtClean="0"/>
-              <a:t>6/21/2023</a:t>
+              <a:t>8/10/2023</a:t>
             </a:fld>
             <a:endParaRPr lang="en-US"/>
           </a:p>
@@ -2003,7 +2003,7 @@
           <a:p>
             <a:fld id="{BDD2BDC9-BFF1-4C01-B746-85A2BCC29F4B}" type="datetimeFigureOut">
               <a:rPr lang="en-US" smtClean="0"/>
-              <a:t>6/21/2023</a:t>
+              <a:t>8/10/2023</a:t>
             </a:fld>
             <a:endParaRPr lang="en-US"/>
           </a:p>
@@ -2278,7 +2278,7 @@
           <a:p>
             <a:fld id="{BDD2BDC9-BFF1-4C01-B746-85A2BCC29F4B}" type="datetimeFigureOut">
               <a:rPr lang="en-US" smtClean="0"/>
-              <a:t>6/21/2023</a:t>
+              <a:t>8/10/2023</a:t>
             </a:fld>
             <a:endParaRPr lang="en-US"/>
           </a:p>
@@ -2543,7 +2543,7 @@
           <a:p>
             <a:fld id="{BDD2BDC9-BFF1-4C01-B746-85A2BCC29F4B}" type="datetimeFigureOut">
               <a:rPr lang="en-US" smtClean="0"/>
-              <a:t>6/21/2023</a:t>
+              <a:t>8/10/2023</a:t>
             </a:fld>
             <a:endParaRPr lang="en-US"/>
           </a:p>
@@ -2955,7 +2955,7 @@
           <a:p>
             <a:fld id="{BDD2BDC9-BFF1-4C01-B746-85A2BCC29F4B}" type="datetimeFigureOut">
               <a:rPr lang="en-US" smtClean="0"/>
-              <a:t>6/21/2023</a:t>
+              <a:t>8/10/2023</a:t>
             </a:fld>
             <a:endParaRPr lang="en-US"/>
           </a:p>
@@ -3096,7 +3096,7 @@
           <a:p>
             <a:fld id="{BDD2BDC9-BFF1-4C01-B746-85A2BCC29F4B}" type="datetimeFigureOut">
               <a:rPr lang="en-US" smtClean="0"/>
-              <a:t>6/21/2023</a:t>
+              <a:t>8/10/2023</a:t>
             </a:fld>
             <a:endParaRPr lang="en-US"/>
           </a:p>
@@ -3209,7 +3209,7 @@
           <a:p>
             <a:fld id="{BDD2BDC9-BFF1-4C01-B746-85A2BCC29F4B}" type="datetimeFigureOut">
               <a:rPr lang="en-US" smtClean="0"/>
-              <a:t>6/21/2023</a:t>
+              <a:t>8/10/2023</a:t>
             </a:fld>
             <a:endParaRPr lang="en-US"/>
           </a:p>
@@ -3520,7 +3520,7 @@
           <a:p>
             <a:fld id="{BDD2BDC9-BFF1-4C01-B746-85A2BCC29F4B}" type="datetimeFigureOut">
               <a:rPr lang="en-US" smtClean="0"/>
-              <a:t>6/21/2023</a:t>
+              <a:t>8/10/2023</a:t>
             </a:fld>
             <a:endParaRPr lang="en-US"/>
           </a:p>
@@ -3808,7 +3808,7 @@
           <a:p>
             <a:fld id="{BDD2BDC9-BFF1-4C01-B746-85A2BCC29F4B}" type="datetimeFigureOut">
               <a:rPr lang="en-US" smtClean="0"/>
-              <a:t>6/21/2023</a:t>
+              <a:t>8/10/2023</a:t>
             </a:fld>
             <a:endParaRPr lang="en-US"/>
           </a:p>
@@ -4049,7 +4049,7 @@
           <a:p>
             <a:fld id="{BDD2BDC9-BFF1-4C01-B746-85A2BCC29F4B}" type="datetimeFigureOut">
               <a:rPr lang="en-US" smtClean="0"/>
-              <a:t>6/21/2023</a:t>
+              <a:t>8/10/2023</a:t>
             </a:fld>
             <a:endParaRPr lang="en-US"/>
           </a:p>
@@ -29084,8 +29084,12 @@
               <a:t>Performance: </a:t>
             </a:r>
             <a:r>
+              <a:rPr lang="en-US" dirty="0" err="1"/>
+              <a:t>HashTable</a:t>
+            </a:r>
+            <a:r>
               <a:rPr lang="en-US" dirty="0"/>
-              <a:t>ArrayList is faster than hashtable because of extra tasks performed in hashtables i.e. hashing.</a:t>
+              <a:t> is faster than hashtable because of extra tasks performed in hashtables i.e. hashing.</a:t>
             </a:r>
           </a:p>
           <a:p>
